--- a/my note/GAS V30 UI設計 3.pptx
+++ b/my note/GAS V30 UI設計 3.pptx
@@ -263,7 +263,7 @@
           <a:p>
             <a:fld id="{91BEFECC-B4FB-4A35-9DEA-601A8A3B0FF6}" type="datetimeFigureOut">
               <a:rPr lang="zh-TW" altLang="en-US" smtClean="0"/>
-              <a:t>2025/3/7</a:t>
+              <a:t>2025/4/15</a:t>
             </a:fld>
             <a:endParaRPr lang="zh-TW" altLang="en-US"/>
           </a:p>
@@ -461,7 +461,7 @@
           <a:p>
             <a:fld id="{91BEFECC-B4FB-4A35-9DEA-601A8A3B0FF6}" type="datetimeFigureOut">
               <a:rPr lang="zh-TW" altLang="en-US" smtClean="0"/>
-              <a:t>2025/3/7</a:t>
+              <a:t>2025/4/15</a:t>
             </a:fld>
             <a:endParaRPr lang="zh-TW" altLang="en-US"/>
           </a:p>
@@ -669,7 +669,7 @@
           <a:p>
             <a:fld id="{91BEFECC-B4FB-4A35-9DEA-601A8A3B0FF6}" type="datetimeFigureOut">
               <a:rPr lang="zh-TW" altLang="en-US" smtClean="0"/>
-              <a:t>2025/3/7</a:t>
+              <a:t>2025/4/15</a:t>
             </a:fld>
             <a:endParaRPr lang="zh-TW" altLang="en-US"/>
           </a:p>
@@ -867,7 +867,7 @@
           <a:p>
             <a:fld id="{91BEFECC-B4FB-4A35-9DEA-601A8A3B0FF6}" type="datetimeFigureOut">
               <a:rPr lang="zh-TW" altLang="en-US" smtClean="0"/>
-              <a:t>2025/3/7</a:t>
+              <a:t>2025/4/15</a:t>
             </a:fld>
             <a:endParaRPr lang="zh-TW" altLang="en-US"/>
           </a:p>
@@ -1142,7 +1142,7 @@
           <a:p>
             <a:fld id="{91BEFECC-B4FB-4A35-9DEA-601A8A3B0FF6}" type="datetimeFigureOut">
               <a:rPr lang="zh-TW" altLang="en-US" smtClean="0"/>
-              <a:t>2025/3/7</a:t>
+              <a:t>2025/4/15</a:t>
             </a:fld>
             <a:endParaRPr lang="zh-TW" altLang="en-US"/>
           </a:p>
@@ -1407,7 +1407,7 @@
           <a:p>
             <a:fld id="{91BEFECC-B4FB-4A35-9DEA-601A8A3B0FF6}" type="datetimeFigureOut">
               <a:rPr lang="zh-TW" altLang="en-US" smtClean="0"/>
-              <a:t>2025/3/7</a:t>
+              <a:t>2025/4/15</a:t>
             </a:fld>
             <a:endParaRPr lang="zh-TW" altLang="en-US"/>
           </a:p>
@@ -1819,7 +1819,7 @@
           <a:p>
             <a:fld id="{91BEFECC-B4FB-4A35-9DEA-601A8A3B0FF6}" type="datetimeFigureOut">
               <a:rPr lang="zh-TW" altLang="en-US" smtClean="0"/>
-              <a:t>2025/3/7</a:t>
+              <a:t>2025/4/15</a:t>
             </a:fld>
             <a:endParaRPr lang="zh-TW" altLang="en-US"/>
           </a:p>
@@ -1960,7 +1960,7 @@
           <a:p>
             <a:fld id="{91BEFECC-B4FB-4A35-9DEA-601A8A3B0FF6}" type="datetimeFigureOut">
               <a:rPr lang="zh-TW" altLang="en-US" smtClean="0"/>
-              <a:t>2025/3/7</a:t>
+              <a:t>2025/4/15</a:t>
             </a:fld>
             <a:endParaRPr lang="zh-TW" altLang="en-US"/>
           </a:p>
@@ -2073,7 +2073,7 @@
           <a:p>
             <a:fld id="{91BEFECC-B4FB-4A35-9DEA-601A8A3B0FF6}" type="datetimeFigureOut">
               <a:rPr lang="zh-TW" altLang="en-US" smtClean="0"/>
-              <a:t>2025/3/7</a:t>
+              <a:t>2025/4/15</a:t>
             </a:fld>
             <a:endParaRPr lang="zh-TW" altLang="en-US"/>
           </a:p>
@@ -2384,7 +2384,7 @@
           <a:p>
             <a:fld id="{91BEFECC-B4FB-4A35-9DEA-601A8A3B0FF6}" type="datetimeFigureOut">
               <a:rPr lang="zh-TW" altLang="en-US" smtClean="0"/>
-              <a:t>2025/3/7</a:t>
+              <a:t>2025/4/15</a:t>
             </a:fld>
             <a:endParaRPr lang="zh-TW" altLang="en-US"/>
           </a:p>
@@ -2672,7 +2672,7 @@
           <a:p>
             <a:fld id="{91BEFECC-B4FB-4A35-9DEA-601A8A3B0FF6}" type="datetimeFigureOut">
               <a:rPr lang="zh-TW" altLang="en-US" smtClean="0"/>
-              <a:t>2025/3/7</a:t>
+              <a:t>2025/4/15</a:t>
             </a:fld>
             <a:endParaRPr lang="zh-TW" altLang="en-US"/>
           </a:p>
@@ -2913,7 +2913,7 @@
           <a:p>
             <a:fld id="{91BEFECC-B4FB-4A35-9DEA-601A8A3B0FF6}" type="datetimeFigureOut">
               <a:rPr lang="zh-TW" altLang="en-US" smtClean="0"/>
-              <a:t>2025/3/7</a:t>
+              <a:t>2025/4/15</a:t>
             </a:fld>
             <a:endParaRPr lang="zh-TW" altLang="en-US"/>
           </a:p>
@@ -3382,8 +3382,20 @@
           <a:lstStyle/>
           <a:p>
             <a:r>
-              <a:rPr lang="en-US" altLang="zh-TW" dirty="0"/>
-              <a:t>Sensor Name</a:t>
+              <a:rPr lang="en-US" altLang="zh-TW"/>
+              <a:t>Ga</a:t>
+            </a:r>
+            <a:r>
+              <a:rPr lang="en-US" altLang="zh-TW" dirty="0"/>
+              <a:t>s</a:t>
+            </a:r>
+            <a:r>
+              <a:rPr lang="en-US" altLang="zh-TW"/>
+              <a:t> </a:t>
+            </a:r>
+            <a:r>
+              <a:rPr lang="en-US" altLang="zh-TW" dirty="0"/>
+              <a:t>Name</a:t>
             </a:r>
           </a:p>
           <a:p>
